--- a/docs/architecture/architecture-model.pptx
+++ b/docs/architecture/architecture-model.pptx
@@ -104,6 +104,11 @@
       </a:defRPr>
     </a:lvl9pPr>
   </p:defaultTextStyle>
+  <p:extLst>
+    <p:ext uri="{EFAFB233-063F-42B5-8137-9DF3F51BA10A}">
+      <p15:sldGuideLst xmlns:p15="http://schemas.microsoft.com/office/powerpoint/2012/main"/>
+    </p:ext>
+  </p:extLst>
 </p:presentation>
 </file>
 
@@ -256,7 +261,7 @@
           <a:p>
             <a:fld id="{A649FCBA-28F0-4AE7-90AC-5C76B35602AA}" type="datetimeFigureOut">
               <a:rPr lang="de-CH" smtClean="0"/>
-              <a:t>23.04.2020</a:t>
+              <a:t>24.04.2020</a:t>
             </a:fld>
             <a:endParaRPr lang="de-CH"/>
           </a:p>
@@ -456,7 +461,7 @@
           <a:p>
             <a:fld id="{A649FCBA-28F0-4AE7-90AC-5C76B35602AA}" type="datetimeFigureOut">
               <a:rPr lang="de-CH" smtClean="0"/>
-              <a:t>23.04.2020</a:t>
+              <a:t>24.04.2020</a:t>
             </a:fld>
             <a:endParaRPr lang="de-CH"/>
           </a:p>
@@ -666,7 +671,7 @@
           <a:p>
             <a:fld id="{A649FCBA-28F0-4AE7-90AC-5C76B35602AA}" type="datetimeFigureOut">
               <a:rPr lang="de-CH" smtClean="0"/>
-              <a:t>23.04.2020</a:t>
+              <a:t>24.04.2020</a:t>
             </a:fld>
             <a:endParaRPr lang="de-CH"/>
           </a:p>
@@ -866,7 +871,7 @@
           <a:p>
             <a:fld id="{A649FCBA-28F0-4AE7-90AC-5C76B35602AA}" type="datetimeFigureOut">
               <a:rPr lang="de-CH" smtClean="0"/>
-              <a:t>23.04.2020</a:t>
+              <a:t>24.04.2020</a:t>
             </a:fld>
             <a:endParaRPr lang="de-CH"/>
           </a:p>
@@ -1142,7 +1147,7 @@
           <a:p>
             <a:fld id="{A649FCBA-28F0-4AE7-90AC-5C76B35602AA}" type="datetimeFigureOut">
               <a:rPr lang="de-CH" smtClean="0"/>
-              <a:t>23.04.2020</a:t>
+              <a:t>24.04.2020</a:t>
             </a:fld>
             <a:endParaRPr lang="de-CH"/>
           </a:p>
@@ -1410,7 +1415,7 @@
           <a:p>
             <a:fld id="{A649FCBA-28F0-4AE7-90AC-5C76B35602AA}" type="datetimeFigureOut">
               <a:rPr lang="de-CH" smtClean="0"/>
-              <a:t>23.04.2020</a:t>
+              <a:t>24.04.2020</a:t>
             </a:fld>
             <a:endParaRPr lang="de-CH"/>
           </a:p>
@@ -1825,7 +1830,7 @@
           <a:p>
             <a:fld id="{A649FCBA-28F0-4AE7-90AC-5C76B35602AA}" type="datetimeFigureOut">
               <a:rPr lang="de-CH" smtClean="0"/>
-              <a:t>23.04.2020</a:t>
+              <a:t>24.04.2020</a:t>
             </a:fld>
             <a:endParaRPr lang="de-CH"/>
           </a:p>
@@ -1967,7 +1972,7 @@
           <a:p>
             <a:fld id="{A649FCBA-28F0-4AE7-90AC-5C76B35602AA}" type="datetimeFigureOut">
               <a:rPr lang="de-CH" smtClean="0"/>
-              <a:t>23.04.2020</a:t>
+              <a:t>24.04.2020</a:t>
             </a:fld>
             <a:endParaRPr lang="de-CH"/>
           </a:p>
@@ -2080,7 +2085,7 @@
           <a:p>
             <a:fld id="{A649FCBA-28F0-4AE7-90AC-5C76B35602AA}" type="datetimeFigureOut">
               <a:rPr lang="de-CH" smtClean="0"/>
-              <a:t>23.04.2020</a:t>
+              <a:t>24.04.2020</a:t>
             </a:fld>
             <a:endParaRPr lang="de-CH"/>
           </a:p>
@@ -2393,7 +2398,7 @@
           <a:p>
             <a:fld id="{A649FCBA-28F0-4AE7-90AC-5C76B35602AA}" type="datetimeFigureOut">
               <a:rPr lang="de-CH" smtClean="0"/>
-              <a:t>23.04.2020</a:t>
+              <a:t>24.04.2020</a:t>
             </a:fld>
             <a:endParaRPr lang="de-CH"/>
           </a:p>
@@ -2682,7 +2687,7 @@
           <a:p>
             <a:fld id="{A649FCBA-28F0-4AE7-90AC-5C76B35602AA}" type="datetimeFigureOut">
               <a:rPr lang="de-CH" smtClean="0"/>
-              <a:t>23.04.2020</a:t>
+              <a:t>24.04.2020</a:t>
             </a:fld>
             <a:endParaRPr lang="de-CH"/>
           </a:p>
@@ -2925,7 +2930,7 @@
           <a:p>
             <a:fld id="{A649FCBA-28F0-4AE7-90AC-5C76B35602AA}" type="datetimeFigureOut">
               <a:rPr lang="de-CH" smtClean="0"/>
-              <a:t>23.04.2020</a:t>
+              <a:t>24.04.2020</a:t>
             </a:fld>
             <a:endParaRPr lang="de-CH"/>
           </a:p>
@@ -3450,6 +3455,14 @@
           <a:lstStyle/>
           <a:p>
             <a:pPr algn="ctr"/>
+            <a:br>
+              <a:rPr lang="de-CH" b="1" dirty="0">
+                <a:solidFill>
+                  <a:schemeClr val="tx1"/>
+                </a:solidFill>
+                <a:latin typeface="Abadi Extra Light" panose="020B0204020104020204" pitchFamily="34" charset="0"/>
+              </a:rPr>
+            </a:br>
             <a:r>
               <a:rPr lang="de-CH" b="1" dirty="0" err="1">
                 <a:solidFill>
@@ -3485,7 +3498,7 @@
         </p:nvSpPr>
         <p:spPr>
           <a:xfrm>
-            <a:off x="2393958" y="2111157"/>
+            <a:off x="3038735" y="2126368"/>
             <a:ext cx="2067767" cy="1086089"/>
           </a:xfrm>
           <a:prstGeom prst="flowChartMagneticDisk">
@@ -3545,7 +3558,726 @@
         </p:nvSpPr>
         <p:spPr>
           <a:xfrm>
-            <a:off x="1104405" y="3716540"/>
+            <a:off x="2393958" y="3716540"/>
+            <a:ext cx="3357322" cy="439387"/>
+          </a:xfrm>
+          <a:prstGeom prst="rect">
+            <a:avLst/>
+          </a:prstGeom>
+          <a:solidFill>
+            <a:schemeClr val="accent1">
+              <a:lumMod val="20000"/>
+              <a:lumOff val="80000"/>
+            </a:schemeClr>
+          </a:solidFill>
+        </p:spPr>
+        <p:style>
+          <a:lnRef idx="2">
+            <a:schemeClr val="accent1">
+              <a:shade val="50000"/>
+            </a:schemeClr>
+          </a:lnRef>
+          <a:fillRef idx="1">
+            <a:schemeClr val="accent1"/>
+          </a:fillRef>
+          <a:effectRef idx="0">
+            <a:schemeClr val="accent1"/>
+          </a:effectRef>
+          <a:fontRef idx="minor">
+            <a:schemeClr val="lt1"/>
+          </a:fontRef>
+        </p:style>
+        <p:txBody>
+          <a:bodyPr rtlCol="0" anchor="ctr"/>
+          <a:lstStyle/>
+          <a:p>
+            <a:pPr algn="ctr"/>
+            <a:r>
+              <a:rPr lang="de-CH" b="1" dirty="0">
+                <a:solidFill>
+                  <a:schemeClr val="tx1"/>
+                </a:solidFill>
+                <a:latin typeface="Abadi Extra Light" panose="020B0204020104020204" pitchFamily="34" charset="0"/>
+              </a:rPr>
+              <a:t>ORDS REST Endpoints</a:t>
+            </a:r>
+          </a:p>
+        </p:txBody>
+      </p:sp>
+      <p:cxnSp>
+        <p:nvCxnSpPr>
+          <p:cNvPr id="9" name="Gerade Verbindung mit Pfeil 8">
+            <a:extLst>
+              <a:ext uri="{FF2B5EF4-FFF2-40B4-BE49-F238E27FC236}">
+                <a16:creationId xmlns:a16="http://schemas.microsoft.com/office/drawing/2014/main" id="{C9656698-C60C-45F1-BD90-EA61DD723ED2}"/>
+              </a:ext>
+            </a:extLst>
+          </p:cNvPr>
+          <p:cNvCxnSpPr>
+            <a:cxnSpLocks/>
+            <a:stCxn id="6" idx="1"/>
+          </p:cNvCxnSpPr>
+          <p:nvPr/>
+        </p:nvCxnSpPr>
+        <p:spPr>
+          <a:xfrm flipH="1" flipV="1">
+            <a:off x="4072618" y="1584259"/>
+            <a:ext cx="1" cy="542109"/>
+          </a:xfrm>
+          <a:prstGeom prst="straightConnector1">
+            <a:avLst/>
+          </a:prstGeom>
+          <a:ln w="38100">
+            <a:headEnd type="triangle" w="med" len="med"/>
+            <a:tailEnd type="none" w="med" len="med"/>
+          </a:ln>
+        </p:spPr>
+        <p:style>
+          <a:lnRef idx="1">
+            <a:schemeClr val="accent1"/>
+          </a:lnRef>
+          <a:fillRef idx="0">
+            <a:schemeClr val="accent1"/>
+          </a:fillRef>
+          <a:effectRef idx="0">
+            <a:schemeClr val="accent1"/>
+          </a:effectRef>
+          <a:fontRef idx="minor">
+            <a:schemeClr val="tx1"/>
+          </a:fontRef>
+        </p:style>
+      </p:cxnSp>
+      <p:cxnSp>
+        <p:nvCxnSpPr>
+          <p:cNvPr id="10" name="Gerade Verbindung mit Pfeil 9">
+            <a:extLst>
+              <a:ext uri="{FF2B5EF4-FFF2-40B4-BE49-F238E27FC236}">
+                <a16:creationId xmlns:a16="http://schemas.microsoft.com/office/drawing/2014/main" id="{CF27353F-EFE3-4F80-AA6C-F340D28B2B52}"/>
+              </a:ext>
+            </a:extLst>
+          </p:cNvPr>
+          <p:cNvCxnSpPr>
+            <a:cxnSpLocks/>
+            <a:stCxn id="7" idx="0"/>
+            <a:endCxn id="6" idx="3"/>
+          </p:cNvCxnSpPr>
+          <p:nvPr/>
+        </p:nvCxnSpPr>
+        <p:spPr>
+          <a:xfrm flipV="1">
+            <a:off x="4072619" y="3212457"/>
+            <a:ext cx="0" cy="504083"/>
+          </a:xfrm>
+          <a:prstGeom prst="straightConnector1">
+            <a:avLst/>
+          </a:prstGeom>
+          <a:ln w="38100">
+            <a:headEnd type="triangle"/>
+            <a:tailEnd type="triangle"/>
+          </a:ln>
+        </p:spPr>
+        <p:style>
+          <a:lnRef idx="1">
+            <a:schemeClr val="accent1"/>
+          </a:lnRef>
+          <a:fillRef idx="0">
+            <a:schemeClr val="accent1"/>
+          </a:fillRef>
+          <a:effectRef idx="0">
+            <a:schemeClr val="accent1"/>
+          </a:effectRef>
+          <a:fontRef idx="minor">
+            <a:schemeClr val="tx1"/>
+          </a:fontRef>
+        </p:style>
+      </p:cxnSp>
+      <p:cxnSp>
+        <p:nvCxnSpPr>
+          <p:cNvPr id="13" name="Gerade Verbindung mit Pfeil 12">
+            <a:extLst>
+              <a:ext uri="{FF2B5EF4-FFF2-40B4-BE49-F238E27FC236}">
+                <a16:creationId xmlns:a16="http://schemas.microsoft.com/office/drawing/2014/main" id="{67A00950-5894-43A8-8EBA-F225C0F4C53D}"/>
+              </a:ext>
+            </a:extLst>
+          </p:cNvPr>
+          <p:cNvCxnSpPr>
+            <a:cxnSpLocks/>
+            <a:endCxn id="7" idx="2"/>
+          </p:cNvCxnSpPr>
+          <p:nvPr/>
+        </p:nvCxnSpPr>
+        <p:spPr>
+          <a:xfrm flipV="1">
+            <a:off x="4072618" y="4155927"/>
+            <a:ext cx="1" cy="519294"/>
+          </a:xfrm>
+          <a:prstGeom prst="straightConnector1">
+            <a:avLst/>
+          </a:prstGeom>
+          <a:ln w="38100">
+            <a:headEnd type="triangle"/>
+            <a:tailEnd type="triangle"/>
+          </a:ln>
+        </p:spPr>
+        <p:style>
+          <a:lnRef idx="1">
+            <a:schemeClr val="accent1"/>
+          </a:lnRef>
+          <a:fillRef idx="0">
+            <a:schemeClr val="accent1"/>
+          </a:fillRef>
+          <a:effectRef idx="0">
+            <a:schemeClr val="accent1"/>
+          </a:effectRef>
+          <a:fontRef idx="minor">
+            <a:schemeClr val="tx1"/>
+          </a:fontRef>
+        </p:style>
+      </p:cxnSp>
+      <p:sp>
+        <p:nvSpPr>
+          <p:cNvPr id="19" name="Textfeld 18">
+            <a:extLst>
+              <a:ext uri="{FF2B5EF4-FFF2-40B4-BE49-F238E27FC236}">
+                <a16:creationId xmlns:a16="http://schemas.microsoft.com/office/drawing/2014/main" id="{515D45B9-9BDD-4518-A44D-50D8D54D48F9}"/>
+              </a:ext>
+            </a:extLst>
+          </p:cNvPr>
+          <p:cNvSpPr txBox="1"/>
+          <p:nvPr/>
+        </p:nvSpPr>
+        <p:spPr>
+          <a:xfrm>
+            <a:off x="6440722" y="1011881"/>
+            <a:ext cx="5303974" cy="338554"/>
+          </a:xfrm>
+          <a:prstGeom prst="rect">
+            <a:avLst/>
+          </a:prstGeom>
+          <a:noFill/>
+        </p:spPr>
+        <p:txBody>
+          <a:bodyPr wrap="square" rtlCol="0">
+            <a:spAutoFit/>
+          </a:bodyPr>
+          <a:lstStyle/>
+          <a:p>
+            <a:r>
+              <a:rPr lang="de-CH" sz="1600" dirty="0">
+                <a:latin typeface="Abadi Extra Light" panose="020B0604020202020204" pitchFamily="34" charset="0"/>
+              </a:rPr>
+              <a:t>Frontend </a:t>
+            </a:r>
+            <a:r>
+              <a:rPr lang="de-CH" sz="1600" dirty="0" err="1">
+                <a:latin typeface="Abadi Extra Light" panose="020B0604020202020204" pitchFamily="34" charset="0"/>
+              </a:rPr>
+              <a:t>for</a:t>
+            </a:r>
+            <a:r>
+              <a:rPr lang="de-CH" sz="1600" dirty="0">
+                <a:latin typeface="Abadi Extra Light" panose="020B0604020202020204" pitchFamily="34" charset="0"/>
+              </a:rPr>
+              <a:t> </a:t>
+            </a:r>
+            <a:r>
+              <a:rPr lang="de-CH" sz="1600" dirty="0" err="1">
+                <a:latin typeface="Abadi Extra Light" panose="020B0604020202020204" pitchFamily="34" charset="0"/>
+              </a:rPr>
+              <a:t>interacting</a:t>
+            </a:r>
+            <a:r>
+              <a:rPr lang="de-CH" sz="1600" dirty="0">
+                <a:latin typeface="Abadi Extra Light" panose="020B0604020202020204" pitchFamily="34" charset="0"/>
+              </a:rPr>
+              <a:t> </a:t>
+            </a:r>
+            <a:r>
+              <a:rPr lang="de-CH" sz="1600" dirty="0" err="1">
+                <a:latin typeface="Abadi Extra Light" panose="020B0604020202020204" pitchFamily="34" charset="0"/>
+              </a:rPr>
+              <a:t>with</a:t>
+            </a:r>
+            <a:r>
+              <a:rPr lang="de-CH" sz="1600" dirty="0">
+                <a:latin typeface="Abadi Extra Light" panose="020B0604020202020204" pitchFamily="34" charset="0"/>
+              </a:rPr>
+              <a:t> </a:t>
+            </a:r>
+            <a:r>
+              <a:rPr lang="de-CH" sz="1600" dirty="0" err="1">
+                <a:latin typeface="Abadi Extra Light" panose="020B0604020202020204" pitchFamily="34" charset="0"/>
+              </a:rPr>
+              <a:t>the</a:t>
+            </a:r>
+            <a:r>
+              <a:rPr lang="de-CH" sz="1600" dirty="0">
+                <a:latin typeface="Abadi Extra Light" panose="020B0604020202020204" pitchFamily="34" charset="0"/>
+              </a:rPr>
+              <a:t> </a:t>
+            </a:r>
+            <a:r>
+              <a:rPr lang="de-CH" sz="1600" dirty="0" err="1">
+                <a:latin typeface="Abadi Extra Light" panose="020B0604020202020204" pitchFamily="34" charset="0"/>
+              </a:rPr>
+              <a:t>data</a:t>
+            </a:r>
+            <a:r>
+              <a:rPr lang="de-CH" sz="1600" dirty="0">
+                <a:latin typeface="Abadi Extra Light" panose="020B0604020202020204" pitchFamily="34" charset="0"/>
+              </a:rPr>
+              <a:t>. Point </a:t>
+            </a:r>
+            <a:r>
+              <a:rPr lang="de-CH" sz="1600" dirty="0" err="1">
+                <a:latin typeface="Abadi Extra Light" panose="020B0604020202020204" pitchFamily="34" charset="0"/>
+              </a:rPr>
+              <a:t>of</a:t>
+            </a:r>
+            <a:r>
+              <a:rPr lang="de-CH" sz="1600" dirty="0">
+                <a:latin typeface="Abadi Extra Light" panose="020B0604020202020204" pitchFamily="34" charset="0"/>
+              </a:rPr>
+              <a:t> </a:t>
+            </a:r>
+            <a:r>
+              <a:rPr lang="de-CH" sz="1600" dirty="0" err="1">
+                <a:latin typeface="Abadi Extra Light" panose="020B0604020202020204" pitchFamily="34" charset="0"/>
+              </a:rPr>
+              <a:t>user</a:t>
+            </a:r>
+            <a:r>
+              <a:rPr lang="de-CH" sz="1600" dirty="0">
+                <a:latin typeface="Abadi Extra Light" panose="020B0604020202020204" pitchFamily="34" charset="0"/>
+              </a:rPr>
+              <a:t> </a:t>
+            </a:r>
+            <a:r>
+              <a:rPr lang="de-CH" sz="1600" dirty="0" err="1">
+                <a:latin typeface="Abadi Extra Light" panose="020B0604020202020204" pitchFamily="34" charset="0"/>
+              </a:rPr>
+              <a:t>tasks</a:t>
+            </a:r>
+            <a:r>
+              <a:rPr lang="de-CH" sz="1600" dirty="0">
+                <a:latin typeface="Abadi Extra Light" panose="020B0604020202020204" pitchFamily="34" charset="0"/>
+              </a:rPr>
+              <a:t>.</a:t>
+            </a:r>
+          </a:p>
+        </p:txBody>
+      </p:sp>
+      <p:sp>
+        <p:nvSpPr>
+          <p:cNvPr id="20" name="Textfeld 19">
+            <a:extLst>
+              <a:ext uri="{FF2B5EF4-FFF2-40B4-BE49-F238E27FC236}">
+                <a16:creationId xmlns:a16="http://schemas.microsoft.com/office/drawing/2014/main" id="{A5A19CCB-05EF-43AE-9AC3-D27C64DD2118}"/>
+              </a:ext>
+            </a:extLst>
+          </p:cNvPr>
+          <p:cNvSpPr txBox="1"/>
+          <p:nvPr/>
+        </p:nvSpPr>
+        <p:spPr>
+          <a:xfrm>
+            <a:off x="6440722" y="2377026"/>
+            <a:ext cx="5001978" cy="338554"/>
+          </a:xfrm>
+          <a:prstGeom prst="rect">
+            <a:avLst/>
+          </a:prstGeom>
+          <a:noFill/>
+        </p:spPr>
+        <p:txBody>
+          <a:bodyPr wrap="square" rtlCol="0">
+            <a:spAutoFit/>
+          </a:bodyPr>
+          <a:lstStyle/>
+          <a:p>
+            <a:r>
+              <a:rPr lang="de-CH" sz="1600" dirty="0">
+                <a:latin typeface="Abadi Extra Light" panose="020B0604020202020204" pitchFamily="34" charset="0"/>
+              </a:rPr>
+              <a:t>Database </a:t>
+            </a:r>
+            <a:r>
+              <a:rPr lang="de-CH" sz="1600" dirty="0" err="1">
+                <a:latin typeface="Abadi Extra Light" panose="020B0604020202020204" pitchFamily="34" charset="0"/>
+              </a:rPr>
+              <a:t>as</a:t>
+            </a:r>
+            <a:r>
+              <a:rPr lang="de-CH" sz="1600" dirty="0">
+                <a:latin typeface="Abadi Extra Light" panose="020B0604020202020204" pitchFamily="34" charset="0"/>
+              </a:rPr>
+              <a:t> a </a:t>
+            </a:r>
+            <a:r>
+              <a:rPr lang="de-CH" sz="1600" dirty="0" err="1">
+                <a:latin typeface="Abadi Extra Light" panose="020B0604020202020204" pitchFamily="34" charset="0"/>
+              </a:rPr>
+              <a:t>centralized</a:t>
+            </a:r>
+            <a:r>
+              <a:rPr lang="de-CH" sz="1600" dirty="0">
+                <a:latin typeface="Abadi Extra Light" panose="020B0604020202020204" pitchFamily="34" charset="0"/>
+              </a:rPr>
+              <a:t> </a:t>
+            </a:r>
+            <a:r>
+              <a:rPr lang="de-CH" sz="1600" dirty="0" err="1">
+                <a:latin typeface="Abadi Extra Light" panose="020B0604020202020204" pitchFamily="34" charset="0"/>
+              </a:rPr>
+              <a:t>data</a:t>
+            </a:r>
+            <a:r>
+              <a:rPr lang="de-CH" sz="1600" dirty="0">
+                <a:latin typeface="Abadi Extra Light" panose="020B0604020202020204" pitchFamily="34" charset="0"/>
+              </a:rPr>
+              <a:t> </a:t>
+            </a:r>
+            <a:r>
+              <a:rPr lang="de-CH" sz="1600" dirty="0" err="1">
+                <a:latin typeface="Abadi Extra Light" panose="020B0604020202020204" pitchFamily="34" charset="0"/>
+              </a:rPr>
+              <a:t>storage</a:t>
+            </a:r>
+            <a:r>
+              <a:rPr lang="de-CH" sz="1600" dirty="0">
+                <a:latin typeface="Abadi Extra Light" panose="020B0604020202020204" pitchFamily="34" charset="0"/>
+              </a:rPr>
+              <a:t> – source </a:t>
+            </a:r>
+            <a:r>
+              <a:rPr lang="de-CH" sz="1600" dirty="0" err="1">
+                <a:latin typeface="Abadi Extra Light" panose="020B0604020202020204" pitchFamily="34" charset="0"/>
+              </a:rPr>
+              <a:t>of</a:t>
+            </a:r>
+            <a:r>
+              <a:rPr lang="de-CH" sz="1600" dirty="0">
+                <a:latin typeface="Abadi Extra Light" panose="020B0604020202020204" pitchFamily="34" charset="0"/>
+              </a:rPr>
+              <a:t> </a:t>
+            </a:r>
+            <a:r>
+              <a:rPr lang="de-CH" sz="1600" dirty="0" err="1">
+                <a:latin typeface="Abadi Extra Light" panose="020B0604020202020204" pitchFamily="34" charset="0"/>
+              </a:rPr>
+              <a:t>truth</a:t>
+            </a:r>
+            <a:endParaRPr lang="de-CH" sz="1600" dirty="0">
+              <a:latin typeface="Abadi Extra Light" panose="020B0604020202020204" pitchFamily="34" charset="0"/>
+            </a:endParaRPr>
+          </a:p>
+        </p:txBody>
+      </p:sp>
+      <p:sp>
+        <p:nvSpPr>
+          <p:cNvPr id="21" name="Textfeld 20">
+            <a:extLst>
+              <a:ext uri="{FF2B5EF4-FFF2-40B4-BE49-F238E27FC236}">
+                <a16:creationId xmlns:a16="http://schemas.microsoft.com/office/drawing/2014/main" id="{44A74E06-1573-4FA9-8E3C-7019986AAE42}"/>
+              </a:ext>
+            </a:extLst>
+          </p:cNvPr>
+          <p:cNvSpPr txBox="1"/>
+          <p:nvPr/>
+        </p:nvSpPr>
+        <p:spPr>
+          <a:xfrm>
+            <a:off x="6431161" y="3643845"/>
+            <a:ext cx="5218529" cy="584775"/>
+          </a:xfrm>
+          <a:prstGeom prst="rect">
+            <a:avLst/>
+          </a:prstGeom>
+          <a:noFill/>
+        </p:spPr>
+        <p:txBody>
+          <a:bodyPr wrap="square" rtlCol="0">
+            <a:spAutoFit/>
+          </a:bodyPr>
+          <a:lstStyle/>
+          <a:p>
+            <a:r>
+              <a:rPr lang="de-CH" sz="1600" dirty="0">
+                <a:latin typeface="Abadi Extra Light" panose="020B0604020202020204" pitchFamily="34" charset="0"/>
+              </a:rPr>
+              <a:t>REST </a:t>
+            </a:r>
+            <a:r>
+              <a:rPr lang="de-CH" sz="1600" dirty="0" err="1">
+                <a:latin typeface="Abadi Extra Light" panose="020B0604020202020204" pitchFamily="34" charset="0"/>
+              </a:rPr>
+              <a:t>endpoint</a:t>
+            </a:r>
+            <a:r>
+              <a:rPr lang="de-CH" sz="1600" dirty="0">
+                <a:latin typeface="Abadi Extra Light" panose="020B0604020202020204" pitchFamily="34" charset="0"/>
+              </a:rPr>
+              <a:t> </a:t>
+            </a:r>
+            <a:r>
+              <a:rPr lang="de-CH" sz="1600" dirty="0" err="1">
+                <a:latin typeface="Abadi Extra Light" panose="020B0604020202020204" pitchFamily="34" charset="0"/>
+              </a:rPr>
+              <a:t>layer</a:t>
+            </a:r>
+            <a:r>
+              <a:rPr lang="de-CH" sz="1600" dirty="0">
+                <a:latin typeface="Abadi Extra Light" panose="020B0604020202020204" pitchFamily="34" charset="0"/>
+              </a:rPr>
+              <a:t> </a:t>
+            </a:r>
+            <a:r>
+              <a:rPr lang="de-CH" sz="1600" dirty="0" err="1">
+                <a:latin typeface="Abadi Extra Light" panose="020B0604020202020204" pitchFamily="34" charset="0"/>
+              </a:rPr>
+              <a:t>between</a:t>
+            </a:r>
+            <a:r>
+              <a:rPr lang="de-CH" sz="1600" dirty="0">
+                <a:latin typeface="Abadi Extra Light" panose="020B0604020202020204" pitchFamily="34" charset="0"/>
+              </a:rPr>
+              <a:t> </a:t>
+            </a:r>
+            <a:r>
+              <a:rPr lang="de-CH" sz="1600" dirty="0" err="1">
+                <a:latin typeface="Abadi Extra Light" panose="020B0604020202020204" pitchFamily="34" charset="0"/>
+              </a:rPr>
+              <a:t>the</a:t>
+            </a:r>
+            <a:r>
+              <a:rPr lang="de-CH" sz="1600" dirty="0">
+                <a:latin typeface="Abadi Extra Light" panose="020B0604020202020204" pitchFamily="34" charset="0"/>
+              </a:rPr>
+              <a:t> </a:t>
+            </a:r>
+            <a:r>
+              <a:rPr lang="de-CH" sz="1600" dirty="0" err="1">
+                <a:latin typeface="Abadi Extra Light" panose="020B0604020202020204" pitchFamily="34" charset="0"/>
+              </a:rPr>
+              <a:t>database</a:t>
+            </a:r>
+            <a:r>
+              <a:rPr lang="de-CH" sz="1600" dirty="0">
+                <a:latin typeface="Abadi Extra Light" panose="020B0604020202020204" pitchFamily="34" charset="0"/>
+              </a:rPr>
+              <a:t> and </a:t>
+            </a:r>
+            <a:r>
+              <a:rPr lang="de-CH" sz="1600" dirty="0" err="1">
+                <a:latin typeface="Abadi Extra Light" panose="020B0604020202020204" pitchFamily="34" charset="0"/>
+              </a:rPr>
+              <a:t>the</a:t>
+            </a:r>
+            <a:r>
+              <a:rPr lang="de-CH" sz="1600" dirty="0">
+                <a:latin typeface="Abadi Extra Light" panose="020B0604020202020204" pitchFamily="34" charset="0"/>
+              </a:rPr>
+              <a:t> </a:t>
+            </a:r>
+            <a:r>
+              <a:rPr lang="de-CH" sz="1600" dirty="0" err="1">
+                <a:latin typeface="Abadi Extra Light" panose="020B0604020202020204" pitchFamily="34" charset="0"/>
+              </a:rPr>
+              <a:t>camunda</a:t>
+            </a:r>
+            <a:r>
+              <a:rPr lang="de-CH" sz="1600" dirty="0">
+                <a:latin typeface="Abadi Extra Light" panose="020B0604020202020204" pitchFamily="34" charset="0"/>
+              </a:rPr>
+              <a:t> </a:t>
+            </a:r>
+            <a:r>
+              <a:rPr lang="de-CH" sz="1600" dirty="0" err="1">
+                <a:latin typeface="Abadi Extra Light" panose="020B0604020202020204" pitchFamily="34" charset="0"/>
+              </a:rPr>
+              <a:t>bpmn</a:t>
+            </a:r>
+            <a:r>
+              <a:rPr lang="de-CH" sz="1600" dirty="0">
+                <a:latin typeface="Abadi Extra Light" panose="020B0604020202020204" pitchFamily="34" charset="0"/>
+              </a:rPr>
+              <a:t> </a:t>
+            </a:r>
+            <a:r>
+              <a:rPr lang="de-CH" sz="1600" dirty="0" err="1">
+                <a:latin typeface="Abadi Extra Light" panose="020B0604020202020204" pitchFamily="34" charset="0"/>
+              </a:rPr>
+              <a:t>application</a:t>
+            </a:r>
+            <a:r>
+              <a:rPr lang="de-CH" sz="1600" dirty="0">
+                <a:latin typeface="Abadi Extra Light" panose="020B0604020202020204" pitchFamily="34" charset="0"/>
+              </a:rPr>
+              <a:t> </a:t>
+            </a:r>
+            <a:r>
+              <a:rPr lang="de-CH" sz="1600" dirty="0" err="1">
+                <a:latin typeface="Abadi Extra Light" panose="020B0604020202020204" pitchFamily="34" charset="0"/>
+              </a:rPr>
+              <a:t>for</a:t>
+            </a:r>
+            <a:r>
+              <a:rPr lang="de-CH" sz="1600" dirty="0">
+                <a:latin typeface="Abadi Extra Light" panose="020B0604020202020204" pitchFamily="34" charset="0"/>
+              </a:rPr>
+              <a:t> </a:t>
+            </a:r>
+            <a:r>
+              <a:rPr lang="de-CH" sz="1600" dirty="0" err="1">
+                <a:latin typeface="Abadi Extra Light" panose="020B0604020202020204" pitchFamily="34" charset="0"/>
+              </a:rPr>
+              <a:t>controlled</a:t>
+            </a:r>
+            <a:r>
+              <a:rPr lang="de-CH" sz="1600" dirty="0">
+                <a:latin typeface="Abadi Extra Light" panose="020B0604020202020204" pitchFamily="34" charset="0"/>
+              </a:rPr>
+              <a:t> </a:t>
+            </a:r>
+            <a:r>
+              <a:rPr lang="de-CH" sz="1600" dirty="0" err="1">
+                <a:latin typeface="Abadi Extra Light" panose="020B0604020202020204" pitchFamily="34" charset="0"/>
+              </a:rPr>
+              <a:t>access</a:t>
+            </a:r>
+            <a:r>
+              <a:rPr lang="de-CH" sz="1600" dirty="0">
+                <a:latin typeface="Abadi Extra Light" panose="020B0604020202020204" pitchFamily="34" charset="0"/>
+              </a:rPr>
+              <a:t> and </a:t>
+            </a:r>
+            <a:r>
+              <a:rPr lang="de-CH" sz="1600" dirty="0" err="1">
+                <a:latin typeface="Abadi Extra Light" panose="020B0604020202020204" pitchFamily="34" charset="0"/>
+              </a:rPr>
+              <a:t>updates</a:t>
+            </a:r>
+            <a:r>
+              <a:rPr lang="de-CH" sz="1600" dirty="0">
+                <a:latin typeface="Abadi Extra Light" panose="020B0604020202020204" pitchFamily="34" charset="0"/>
+              </a:rPr>
+              <a:t> </a:t>
+            </a:r>
+            <a:r>
+              <a:rPr lang="de-CH" sz="1600" dirty="0" err="1">
+                <a:latin typeface="Abadi Extra Light" panose="020B0604020202020204" pitchFamily="34" charset="0"/>
+              </a:rPr>
+              <a:t>of</a:t>
+            </a:r>
+            <a:r>
+              <a:rPr lang="de-CH" sz="1600" dirty="0">
+                <a:latin typeface="Abadi Extra Light" panose="020B0604020202020204" pitchFamily="34" charset="0"/>
+              </a:rPr>
+              <a:t> </a:t>
+            </a:r>
+            <a:r>
+              <a:rPr lang="de-CH" sz="1600" dirty="0" err="1">
+                <a:latin typeface="Abadi Extra Light" panose="020B0604020202020204" pitchFamily="34" charset="0"/>
+              </a:rPr>
+              <a:t>the</a:t>
+            </a:r>
+            <a:r>
+              <a:rPr lang="de-CH" sz="1600" dirty="0">
+                <a:latin typeface="Abadi Extra Light" panose="020B0604020202020204" pitchFamily="34" charset="0"/>
+              </a:rPr>
+              <a:t> </a:t>
+            </a:r>
+            <a:r>
+              <a:rPr lang="de-CH" sz="1600" dirty="0" err="1">
+                <a:latin typeface="Abadi Extra Light" panose="020B0604020202020204" pitchFamily="34" charset="0"/>
+              </a:rPr>
+              <a:t>data</a:t>
+            </a:r>
+            <a:endParaRPr lang="de-CH" sz="1600" dirty="0">
+              <a:latin typeface="Abadi Extra Light" panose="020B0604020202020204" pitchFamily="34" charset="0"/>
+            </a:endParaRPr>
+          </a:p>
+        </p:txBody>
+      </p:sp>
+      <p:sp>
+        <p:nvSpPr>
+          <p:cNvPr id="22" name="Textfeld 21">
+            <a:extLst>
+              <a:ext uri="{FF2B5EF4-FFF2-40B4-BE49-F238E27FC236}">
+                <a16:creationId xmlns:a16="http://schemas.microsoft.com/office/drawing/2014/main" id="{35B85495-D789-4390-8A4C-42550476B980}"/>
+              </a:ext>
+            </a:extLst>
+          </p:cNvPr>
+          <p:cNvSpPr txBox="1"/>
+          <p:nvPr/>
+        </p:nvSpPr>
+        <p:spPr>
+          <a:xfrm>
+            <a:off x="6440722" y="5153149"/>
+            <a:ext cx="3823851" cy="338554"/>
+          </a:xfrm>
+          <a:prstGeom prst="rect">
+            <a:avLst/>
+          </a:prstGeom>
+          <a:noFill/>
+        </p:spPr>
+        <p:txBody>
+          <a:bodyPr wrap="square" rtlCol="0">
+            <a:spAutoFit/>
+          </a:bodyPr>
+          <a:lstStyle/>
+          <a:p>
+            <a:r>
+              <a:rPr lang="de-CH" sz="1600" dirty="0" err="1">
+                <a:latin typeface="Abadi Extra Light" panose="020B0604020202020204" pitchFamily="34" charset="0"/>
+              </a:rPr>
+              <a:t>Camunda</a:t>
+            </a:r>
+            <a:r>
+              <a:rPr lang="de-CH" sz="1600" dirty="0">
+                <a:latin typeface="Abadi Extra Light" panose="020B0604020202020204" pitchFamily="34" charset="0"/>
+              </a:rPr>
+              <a:t> BPMN </a:t>
+            </a:r>
+            <a:r>
+              <a:rPr lang="de-CH" sz="1600" dirty="0" err="1">
+                <a:latin typeface="Abadi Extra Light" panose="020B0604020202020204" pitchFamily="34" charset="0"/>
+              </a:rPr>
+              <a:t>process</a:t>
+            </a:r>
+            <a:r>
+              <a:rPr lang="de-CH" sz="1600" dirty="0">
+                <a:latin typeface="Abadi Extra Light" panose="020B0604020202020204" pitchFamily="34" charset="0"/>
+              </a:rPr>
+              <a:t> </a:t>
+            </a:r>
+            <a:r>
+              <a:rPr lang="de-CH" sz="1600" dirty="0" err="1">
+                <a:latin typeface="Abadi Extra Light" panose="020B0604020202020204" pitchFamily="34" charset="0"/>
+              </a:rPr>
+              <a:t>application</a:t>
+            </a:r>
+            <a:endParaRPr lang="de-CH" sz="1600" dirty="0">
+              <a:latin typeface="Abadi Extra Light" panose="020B0604020202020204" pitchFamily="34" charset="0"/>
+            </a:endParaRPr>
+          </a:p>
+        </p:txBody>
+      </p:sp>
+      <p:sp>
+        <p:nvSpPr>
+          <p:cNvPr id="25" name="Rechteck 24">
+            <a:extLst>
+              <a:ext uri="{FF2B5EF4-FFF2-40B4-BE49-F238E27FC236}">
+                <a16:creationId xmlns:a16="http://schemas.microsoft.com/office/drawing/2014/main" id="{810B848E-0496-4B87-9EFF-3E63EA82A216}"/>
+              </a:ext>
+            </a:extLst>
+          </p:cNvPr>
+          <p:cNvSpPr/>
+          <p:nvPr/>
+        </p:nvSpPr>
+        <p:spPr>
+          <a:xfrm>
+            <a:off x="1104403" y="4675221"/>
             <a:ext cx="4646875" cy="439387"/>
           </a:xfrm>
           <a:prstGeom prst="rect">
@@ -3580,43 +4312,51 @@
           <a:p>
             <a:pPr algn="ctr"/>
             <a:r>
-              <a:rPr lang="de-CH" b="1" dirty="0">
+              <a:rPr lang="de-CH" sz="1400" b="1" dirty="0" err="1">
                 <a:solidFill>
                   <a:schemeClr val="tx1"/>
                 </a:solidFill>
                 <a:latin typeface="Abadi Extra Light" panose="020B0204020104020204" pitchFamily="34" charset="0"/>
               </a:rPr>
-              <a:t>ORDS REST Endpoints</a:t>
+              <a:t>Camunda</a:t>
+            </a:r>
+            <a:r>
+              <a:rPr lang="de-CH" sz="1400" b="1" dirty="0">
+                <a:solidFill>
+                  <a:schemeClr val="tx1"/>
+                </a:solidFill>
+                <a:latin typeface="Abadi Extra Light" panose="020B0204020104020204" pitchFamily="34" charset="0"/>
+              </a:rPr>
+              <a:t> REST Endpoints</a:t>
             </a:r>
           </a:p>
         </p:txBody>
       </p:sp>
       <p:cxnSp>
         <p:nvCxnSpPr>
-          <p:cNvPr id="9" name="Gerade Verbindung mit Pfeil 8">
-            <a:extLst>
-              <a:ext uri="{FF2B5EF4-FFF2-40B4-BE49-F238E27FC236}">
-                <a16:creationId xmlns:a16="http://schemas.microsoft.com/office/drawing/2014/main" id="{C9656698-C60C-45F1-BD90-EA61DD723ED2}"/>
+          <p:cNvPr id="18" name="Gerade Verbindung mit Pfeil 17">
+            <a:extLst>
+              <a:ext uri="{FF2B5EF4-FFF2-40B4-BE49-F238E27FC236}">
+                <a16:creationId xmlns:a16="http://schemas.microsoft.com/office/drawing/2014/main" id="{E8FEE741-DFD4-476F-8BDB-54901CDA53CF}"/>
               </a:ext>
             </a:extLst>
           </p:cNvPr>
           <p:cNvCxnSpPr>
-            <a:stCxn id="6" idx="1"/>
-            <a:endCxn id="4" idx="2"/>
+            <a:cxnSpLocks/>
           </p:cNvCxnSpPr>
           <p:nvPr/>
         </p:nvCxnSpPr>
         <p:spPr>
           <a:xfrm flipV="1">
-            <a:off x="3427842" y="1591864"/>
-            <a:ext cx="1" cy="519293"/>
+            <a:off x="1554628" y="1584260"/>
+            <a:ext cx="1" cy="3090961"/>
           </a:xfrm>
           <a:prstGeom prst="straightConnector1">
             <a:avLst/>
           </a:prstGeom>
           <a:ln w="38100">
-            <a:headEnd type="triangle"/>
-            <a:tailEnd type="triangle"/>
+            <a:headEnd type="triangle" w="med" len="med"/>
+            <a:tailEnd type="none" w="med" len="med"/>
           </a:ln>
         </p:spPr>
         <p:style>
@@ -3634,644 +4374,6 @@
           </a:fontRef>
         </p:style>
       </p:cxnSp>
-      <p:cxnSp>
-        <p:nvCxnSpPr>
-          <p:cNvPr id="10" name="Gerade Verbindung mit Pfeil 9">
-            <a:extLst>
-              <a:ext uri="{FF2B5EF4-FFF2-40B4-BE49-F238E27FC236}">
-                <a16:creationId xmlns:a16="http://schemas.microsoft.com/office/drawing/2014/main" id="{CF27353F-EFE3-4F80-AA6C-F340D28B2B52}"/>
-              </a:ext>
-            </a:extLst>
-          </p:cNvPr>
-          <p:cNvCxnSpPr>
-            <a:cxnSpLocks/>
-            <a:stCxn id="7" idx="0"/>
-            <a:endCxn id="6" idx="3"/>
-          </p:cNvCxnSpPr>
-          <p:nvPr/>
-        </p:nvCxnSpPr>
-        <p:spPr>
-          <a:xfrm flipH="1" flipV="1">
-            <a:off x="3427842" y="3197246"/>
-            <a:ext cx="1" cy="519294"/>
-          </a:xfrm>
-          <a:prstGeom prst="straightConnector1">
-            <a:avLst/>
-          </a:prstGeom>
-          <a:ln w="38100">
-            <a:headEnd type="triangle"/>
-            <a:tailEnd type="triangle"/>
-          </a:ln>
-        </p:spPr>
-        <p:style>
-          <a:lnRef idx="1">
-            <a:schemeClr val="accent1"/>
-          </a:lnRef>
-          <a:fillRef idx="0">
-            <a:schemeClr val="accent1"/>
-          </a:fillRef>
-          <a:effectRef idx="0">
-            <a:schemeClr val="accent1"/>
-          </a:effectRef>
-          <a:fontRef idx="minor">
-            <a:schemeClr val="tx1"/>
-          </a:fontRef>
-        </p:style>
-      </p:cxnSp>
-      <p:cxnSp>
-        <p:nvCxnSpPr>
-          <p:cNvPr id="13" name="Gerade Verbindung mit Pfeil 12">
-            <a:extLst>
-              <a:ext uri="{FF2B5EF4-FFF2-40B4-BE49-F238E27FC236}">
-                <a16:creationId xmlns:a16="http://schemas.microsoft.com/office/drawing/2014/main" id="{67A00950-5894-43A8-8EBA-F225C0F4C53D}"/>
-              </a:ext>
-            </a:extLst>
-          </p:cNvPr>
-          <p:cNvCxnSpPr>
-            <a:cxnSpLocks/>
-            <a:stCxn id="5" idx="0"/>
-            <a:endCxn id="7" idx="2"/>
-          </p:cNvCxnSpPr>
-          <p:nvPr/>
-        </p:nvCxnSpPr>
-        <p:spPr>
-          <a:xfrm flipV="1">
-            <a:off x="3427843" y="4155927"/>
-            <a:ext cx="0" cy="519294"/>
-          </a:xfrm>
-          <a:prstGeom prst="straightConnector1">
-            <a:avLst/>
-          </a:prstGeom>
-          <a:ln w="38100">
-            <a:headEnd type="triangle"/>
-            <a:tailEnd type="triangle"/>
-          </a:ln>
-        </p:spPr>
-        <p:style>
-          <a:lnRef idx="1">
-            <a:schemeClr val="accent1"/>
-          </a:lnRef>
-          <a:fillRef idx="0">
-            <a:schemeClr val="accent1"/>
-          </a:fillRef>
-          <a:effectRef idx="0">
-            <a:schemeClr val="accent1"/>
-          </a:effectRef>
-          <a:fontRef idx="minor">
-            <a:schemeClr val="tx1"/>
-          </a:fontRef>
-        </p:style>
-      </p:cxnSp>
-      <p:sp>
-        <p:nvSpPr>
-          <p:cNvPr id="19" name="Textfeld 18">
-            <a:extLst>
-              <a:ext uri="{FF2B5EF4-FFF2-40B4-BE49-F238E27FC236}">
-                <a16:creationId xmlns:a16="http://schemas.microsoft.com/office/drawing/2014/main" id="{515D45B9-9BDD-4518-A44D-50D8D54D48F9}"/>
-              </a:ext>
-            </a:extLst>
-          </p:cNvPr>
-          <p:cNvSpPr txBox="1"/>
-          <p:nvPr/>
-        </p:nvSpPr>
-        <p:spPr>
-          <a:xfrm>
-            <a:off x="6440722" y="888770"/>
-            <a:ext cx="5303974" cy="584775"/>
-          </a:xfrm>
-          <a:prstGeom prst="rect">
-            <a:avLst/>
-          </a:prstGeom>
-          <a:noFill/>
-        </p:spPr>
-        <p:txBody>
-          <a:bodyPr wrap="square" rtlCol="0">
-            <a:spAutoFit/>
-          </a:bodyPr>
-          <a:lstStyle/>
-          <a:p>
-            <a:r>
-              <a:rPr lang="de-CH" sz="1600" dirty="0">
-                <a:latin typeface="Abadi Extra Light" panose="020B0604020202020204" pitchFamily="34" charset="0"/>
-              </a:rPr>
-              <a:t>Frontend </a:t>
-            </a:r>
-            <a:r>
-              <a:rPr lang="de-CH" sz="1600" dirty="0" err="1">
-                <a:latin typeface="Abadi Extra Light" panose="020B0604020202020204" pitchFamily="34" charset="0"/>
-              </a:rPr>
-              <a:t>for</a:t>
-            </a:r>
-            <a:r>
-              <a:rPr lang="de-CH" sz="1600" dirty="0">
-                <a:latin typeface="Abadi Extra Light" panose="020B0604020202020204" pitchFamily="34" charset="0"/>
-              </a:rPr>
-              <a:t> </a:t>
-            </a:r>
-            <a:r>
-              <a:rPr lang="de-CH" sz="1600" dirty="0" err="1">
-                <a:latin typeface="Abadi Extra Light" panose="020B0604020202020204" pitchFamily="34" charset="0"/>
-              </a:rPr>
-              <a:t>users</a:t>
-            </a:r>
-            <a:r>
-              <a:rPr lang="de-CH" sz="1600" dirty="0">
-                <a:latin typeface="Abadi Extra Light" panose="020B0604020202020204" pitchFamily="34" charset="0"/>
-              </a:rPr>
-              <a:t> </a:t>
-            </a:r>
-            <a:r>
-              <a:rPr lang="de-CH" sz="1600" dirty="0" err="1">
-                <a:latin typeface="Abadi Extra Light" panose="020B0604020202020204" pitchFamily="34" charset="0"/>
-              </a:rPr>
-              <a:t>to</a:t>
-            </a:r>
-            <a:r>
-              <a:rPr lang="de-CH" sz="1600" dirty="0">
-                <a:latin typeface="Abadi Extra Light" panose="020B0604020202020204" pitchFamily="34" charset="0"/>
-              </a:rPr>
-              <a:t> </a:t>
-            </a:r>
-            <a:r>
-              <a:rPr lang="de-CH" sz="1600" dirty="0" err="1">
-                <a:latin typeface="Abadi Extra Light" panose="020B0604020202020204" pitchFamily="34" charset="0"/>
-              </a:rPr>
-              <a:t>add</a:t>
-            </a:r>
-            <a:r>
-              <a:rPr lang="de-CH" sz="1600" dirty="0">
-                <a:latin typeface="Abadi Extra Light" panose="020B0604020202020204" pitchFamily="34" charset="0"/>
-              </a:rPr>
-              <a:t> and update </a:t>
-            </a:r>
-            <a:r>
-              <a:rPr lang="de-CH" sz="1600" dirty="0" err="1">
-                <a:latin typeface="Abadi Extra Light" panose="020B0604020202020204" pitchFamily="34" charset="0"/>
-              </a:rPr>
-              <a:t>proposals</a:t>
-            </a:r>
-            <a:r>
-              <a:rPr lang="de-CH" sz="1600" dirty="0">
-                <a:latin typeface="Abadi Extra Light" panose="020B0604020202020204" pitchFamily="34" charset="0"/>
-              </a:rPr>
-              <a:t>, review </a:t>
-            </a:r>
-            <a:r>
-              <a:rPr lang="de-CH" sz="1600" dirty="0" err="1">
-                <a:latin typeface="Abadi Extra Light" panose="020B0604020202020204" pitchFamily="34" charset="0"/>
-              </a:rPr>
-              <a:t>them</a:t>
-            </a:r>
-            <a:r>
-              <a:rPr lang="de-CH" sz="1600" dirty="0">
-                <a:latin typeface="Abadi Extra Light" panose="020B0604020202020204" pitchFamily="34" charset="0"/>
-              </a:rPr>
-              <a:t> and </a:t>
-            </a:r>
-            <a:r>
-              <a:rPr lang="de-CH" sz="1600" dirty="0" err="1">
-                <a:latin typeface="Abadi Extra Light" panose="020B0604020202020204" pitchFamily="34" charset="0"/>
-              </a:rPr>
-              <a:t>add</a:t>
-            </a:r>
-            <a:r>
-              <a:rPr lang="de-CH" sz="1600" dirty="0">
-                <a:latin typeface="Abadi Extra Light" panose="020B0604020202020204" pitchFamily="34" charset="0"/>
-              </a:rPr>
-              <a:t> </a:t>
-            </a:r>
-            <a:r>
-              <a:rPr lang="de-CH" sz="1600" dirty="0" err="1">
-                <a:latin typeface="Abadi Extra Light" panose="020B0604020202020204" pitchFamily="34" charset="0"/>
-              </a:rPr>
-              <a:t>their</a:t>
-            </a:r>
-            <a:r>
-              <a:rPr lang="de-CH" sz="1600" dirty="0">
-                <a:latin typeface="Abadi Extra Light" panose="020B0604020202020204" pitchFamily="34" charset="0"/>
-              </a:rPr>
-              <a:t> </a:t>
-            </a:r>
-            <a:r>
-              <a:rPr lang="de-CH" sz="1600" dirty="0" err="1">
-                <a:latin typeface="Abadi Extra Light" panose="020B0604020202020204" pitchFamily="34" charset="0"/>
-              </a:rPr>
-              <a:t>veto</a:t>
-            </a:r>
-            <a:r>
-              <a:rPr lang="de-CH" sz="1600" dirty="0">
-                <a:latin typeface="Abadi Extra Light" panose="020B0604020202020204" pitchFamily="34" charset="0"/>
-              </a:rPr>
-              <a:t>.</a:t>
-            </a:r>
-          </a:p>
-        </p:txBody>
-      </p:sp>
-      <p:sp>
-        <p:nvSpPr>
-          <p:cNvPr id="20" name="Textfeld 19">
-            <a:extLst>
-              <a:ext uri="{FF2B5EF4-FFF2-40B4-BE49-F238E27FC236}">
-                <a16:creationId xmlns:a16="http://schemas.microsoft.com/office/drawing/2014/main" id="{A5A19CCB-05EF-43AE-9AC3-D27C64DD2118}"/>
-              </a:ext>
-            </a:extLst>
-          </p:cNvPr>
-          <p:cNvSpPr txBox="1"/>
-          <p:nvPr/>
-        </p:nvSpPr>
-        <p:spPr>
-          <a:xfrm>
-            <a:off x="6440722" y="2377026"/>
-            <a:ext cx="3669475" cy="584775"/>
-          </a:xfrm>
-          <a:prstGeom prst="rect">
-            <a:avLst/>
-          </a:prstGeom>
-          <a:noFill/>
-        </p:spPr>
-        <p:txBody>
-          <a:bodyPr wrap="square" rtlCol="0">
-            <a:spAutoFit/>
-          </a:bodyPr>
-          <a:lstStyle/>
-          <a:p>
-            <a:r>
-              <a:rPr lang="de-CH" sz="1600" dirty="0">
-                <a:latin typeface="Abadi Extra Light" panose="020B0604020202020204" pitchFamily="34" charset="0"/>
-              </a:rPr>
-              <a:t>Database </a:t>
-            </a:r>
-            <a:r>
-              <a:rPr lang="de-CH" sz="1600" dirty="0" err="1">
-                <a:latin typeface="Abadi Extra Light" panose="020B0604020202020204" pitchFamily="34" charset="0"/>
-              </a:rPr>
-              <a:t>as</a:t>
-            </a:r>
-            <a:r>
-              <a:rPr lang="de-CH" sz="1600" dirty="0">
-                <a:latin typeface="Abadi Extra Light" panose="020B0604020202020204" pitchFamily="34" charset="0"/>
-              </a:rPr>
-              <a:t> a </a:t>
-            </a:r>
-            <a:r>
-              <a:rPr lang="de-CH" sz="1600" dirty="0" err="1">
-                <a:latin typeface="Abadi Extra Light" panose="020B0604020202020204" pitchFamily="34" charset="0"/>
-              </a:rPr>
-              <a:t>centralized</a:t>
-            </a:r>
-            <a:r>
-              <a:rPr lang="de-CH" sz="1600" dirty="0">
-                <a:latin typeface="Abadi Extra Light" panose="020B0604020202020204" pitchFamily="34" charset="0"/>
-              </a:rPr>
-              <a:t> </a:t>
-            </a:r>
-            <a:r>
-              <a:rPr lang="de-CH" sz="1600" dirty="0" err="1">
-                <a:latin typeface="Abadi Extra Light" panose="020B0604020202020204" pitchFamily="34" charset="0"/>
-              </a:rPr>
-              <a:t>data</a:t>
-            </a:r>
-            <a:r>
-              <a:rPr lang="de-CH" sz="1600" dirty="0">
-                <a:latin typeface="Abadi Extra Light" panose="020B0604020202020204" pitchFamily="34" charset="0"/>
-              </a:rPr>
-              <a:t> </a:t>
-            </a:r>
-            <a:r>
-              <a:rPr lang="de-CH" sz="1600" dirty="0" err="1">
-                <a:latin typeface="Abadi Extra Light" panose="020B0604020202020204" pitchFamily="34" charset="0"/>
-              </a:rPr>
-              <a:t>storage</a:t>
-            </a:r>
-            <a:endParaRPr lang="de-CH" sz="1600" dirty="0">
-              <a:latin typeface="Abadi Extra Light" panose="020B0604020202020204" pitchFamily="34" charset="0"/>
-            </a:endParaRPr>
-          </a:p>
-        </p:txBody>
-      </p:sp>
-      <p:sp>
-        <p:nvSpPr>
-          <p:cNvPr id="21" name="Textfeld 20">
-            <a:extLst>
-              <a:ext uri="{FF2B5EF4-FFF2-40B4-BE49-F238E27FC236}">
-                <a16:creationId xmlns:a16="http://schemas.microsoft.com/office/drawing/2014/main" id="{44A74E06-1573-4FA9-8E3C-7019986AAE42}"/>
-              </a:ext>
-            </a:extLst>
-          </p:cNvPr>
-          <p:cNvSpPr txBox="1"/>
-          <p:nvPr/>
-        </p:nvSpPr>
-        <p:spPr>
-          <a:xfrm>
-            <a:off x="6431161" y="3643845"/>
-            <a:ext cx="5218529" cy="584775"/>
-          </a:xfrm>
-          <a:prstGeom prst="rect">
-            <a:avLst/>
-          </a:prstGeom>
-          <a:noFill/>
-        </p:spPr>
-        <p:txBody>
-          <a:bodyPr wrap="square" rtlCol="0">
-            <a:spAutoFit/>
-          </a:bodyPr>
-          <a:lstStyle/>
-          <a:p>
-            <a:r>
-              <a:rPr lang="de-CH" sz="1600" dirty="0">
-                <a:latin typeface="Abadi Extra Light" panose="020B0604020202020204" pitchFamily="34" charset="0"/>
-              </a:rPr>
-              <a:t>REST </a:t>
-            </a:r>
-            <a:r>
-              <a:rPr lang="de-CH" sz="1600" dirty="0" err="1">
-                <a:latin typeface="Abadi Extra Light" panose="020B0604020202020204" pitchFamily="34" charset="0"/>
-              </a:rPr>
-              <a:t>endpoint</a:t>
-            </a:r>
-            <a:r>
-              <a:rPr lang="de-CH" sz="1600" dirty="0">
-                <a:latin typeface="Abadi Extra Light" panose="020B0604020202020204" pitchFamily="34" charset="0"/>
-              </a:rPr>
-              <a:t> </a:t>
-            </a:r>
-            <a:r>
-              <a:rPr lang="de-CH" sz="1600" dirty="0" err="1">
-                <a:latin typeface="Abadi Extra Light" panose="020B0604020202020204" pitchFamily="34" charset="0"/>
-              </a:rPr>
-              <a:t>layer</a:t>
-            </a:r>
-            <a:r>
-              <a:rPr lang="de-CH" sz="1600" dirty="0">
-                <a:latin typeface="Abadi Extra Light" panose="020B0604020202020204" pitchFamily="34" charset="0"/>
-              </a:rPr>
-              <a:t> </a:t>
-            </a:r>
-            <a:r>
-              <a:rPr lang="de-CH" sz="1600" dirty="0" err="1">
-                <a:latin typeface="Abadi Extra Light" panose="020B0604020202020204" pitchFamily="34" charset="0"/>
-              </a:rPr>
-              <a:t>between</a:t>
-            </a:r>
-            <a:r>
-              <a:rPr lang="de-CH" sz="1600" dirty="0">
-                <a:latin typeface="Abadi Extra Light" panose="020B0604020202020204" pitchFamily="34" charset="0"/>
-              </a:rPr>
-              <a:t> </a:t>
-            </a:r>
-            <a:r>
-              <a:rPr lang="de-CH" sz="1600" dirty="0" err="1">
-                <a:latin typeface="Abadi Extra Light" panose="020B0604020202020204" pitchFamily="34" charset="0"/>
-              </a:rPr>
-              <a:t>the</a:t>
-            </a:r>
-            <a:r>
-              <a:rPr lang="de-CH" sz="1600" dirty="0">
-                <a:latin typeface="Abadi Extra Light" panose="020B0604020202020204" pitchFamily="34" charset="0"/>
-              </a:rPr>
-              <a:t> </a:t>
-            </a:r>
-            <a:r>
-              <a:rPr lang="de-CH" sz="1600" dirty="0" err="1">
-                <a:latin typeface="Abadi Extra Light" panose="020B0604020202020204" pitchFamily="34" charset="0"/>
-              </a:rPr>
-              <a:t>database</a:t>
-            </a:r>
-            <a:r>
-              <a:rPr lang="de-CH" sz="1600" dirty="0">
-                <a:latin typeface="Abadi Extra Light" panose="020B0604020202020204" pitchFamily="34" charset="0"/>
-              </a:rPr>
-              <a:t> and </a:t>
-            </a:r>
-            <a:r>
-              <a:rPr lang="de-CH" sz="1600" dirty="0" err="1">
-                <a:latin typeface="Abadi Extra Light" panose="020B0604020202020204" pitchFamily="34" charset="0"/>
-              </a:rPr>
-              <a:t>the</a:t>
-            </a:r>
-            <a:r>
-              <a:rPr lang="de-CH" sz="1600" dirty="0">
-                <a:latin typeface="Abadi Extra Light" panose="020B0604020202020204" pitchFamily="34" charset="0"/>
-              </a:rPr>
-              <a:t> </a:t>
-            </a:r>
-            <a:r>
-              <a:rPr lang="de-CH" sz="1600" dirty="0" err="1">
-                <a:latin typeface="Abadi Extra Light" panose="020B0604020202020204" pitchFamily="34" charset="0"/>
-              </a:rPr>
-              <a:t>camunda</a:t>
-            </a:r>
-            <a:r>
-              <a:rPr lang="de-CH" sz="1600" dirty="0">
-                <a:latin typeface="Abadi Extra Light" panose="020B0604020202020204" pitchFamily="34" charset="0"/>
-              </a:rPr>
-              <a:t> </a:t>
-            </a:r>
-            <a:r>
-              <a:rPr lang="de-CH" sz="1600" dirty="0" err="1">
-                <a:latin typeface="Abadi Extra Light" panose="020B0604020202020204" pitchFamily="34" charset="0"/>
-              </a:rPr>
-              <a:t>bpmn</a:t>
-            </a:r>
-            <a:r>
-              <a:rPr lang="de-CH" sz="1600" dirty="0">
-                <a:latin typeface="Abadi Extra Light" panose="020B0604020202020204" pitchFamily="34" charset="0"/>
-              </a:rPr>
-              <a:t> </a:t>
-            </a:r>
-            <a:r>
-              <a:rPr lang="de-CH" sz="1600" dirty="0" err="1">
-                <a:latin typeface="Abadi Extra Light" panose="020B0604020202020204" pitchFamily="34" charset="0"/>
-              </a:rPr>
-              <a:t>application</a:t>
-            </a:r>
-            <a:r>
-              <a:rPr lang="de-CH" sz="1600" dirty="0">
-                <a:latin typeface="Abadi Extra Light" panose="020B0604020202020204" pitchFamily="34" charset="0"/>
-              </a:rPr>
-              <a:t> </a:t>
-            </a:r>
-            <a:r>
-              <a:rPr lang="de-CH" sz="1600" dirty="0" err="1">
-                <a:latin typeface="Abadi Extra Light" panose="020B0604020202020204" pitchFamily="34" charset="0"/>
-              </a:rPr>
-              <a:t>for</a:t>
-            </a:r>
-            <a:r>
-              <a:rPr lang="de-CH" sz="1600" dirty="0">
-                <a:latin typeface="Abadi Extra Light" panose="020B0604020202020204" pitchFamily="34" charset="0"/>
-              </a:rPr>
-              <a:t> </a:t>
-            </a:r>
-            <a:r>
-              <a:rPr lang="de-CH" sz="1600" dirty="0" err="1">
-                <a:latin typeface="Abadi Extra Light" panose="020B0604020202020204" pitchFamily="34" charset="0"/>
-              </a:rPr>
-              <a:t>controlled</a:t>
-            </a:r>
-            <a:r>
-              <a:rPr lang="de-CH" sz="1600" dirty="0">
-                <a:latin typeface="Abadi Extra Light" panose="020B0604020202020204" pitchFamily="34" charset="0"/>
-              </a:rPr>
-              <a:t> </a:t>
-            </a:r>
-            <a:r>
-              <a:rPr lang="de-CH" sz="1600" dirty="0" err="1">
-                <a:latin typeface="Abadi Extra Light" panose="020B0604020202020204" pitchFamily="34" charset="0"/>
-              </a:rPr>
-              <a:t>access</a:t>
-            </a:r>
-            <a:r>
-              <a:rPr lang="de-CH" sz="1600" dirty="0">
-                <a:latin typeface="Abadi Extra Light" panose="020B0604020202020204" pitchFamily="34" charset="0"/>
-              </a:rPr>
-              <a:t> and </a:t>
-            </a:r>
-            <a:r>
-              <a:rPr lang="de-CH" sz="1600" dirty="0" err="1">
-                <a:latin typeface="Abadi Extra Light" panose="020B0604020202020204" pitchFamily="34" charset="0"/>
-              </a:rPr>
-              <a:t>updates</a:t>
-            </a:r>
-            <a:endParaRPr lang="de-CH" sz="1600" dirty="0">
-              <a:latin typeface="Abadi Extra Light" panose="020B0604020202020204" pitchFamily="34" charset="0"/>
-            </a:endParaRPr>
-          </a:p>
-        </p:txBody>
-      </p:sp>
-      <p:sp>
-        <p:nvSpPr>
-          <p:cNvPr id="22" name="Textfeld 21">
-            <a:extLst>
-              <a:ext uri="{FF2B5EF4-FFF2-40B4-BE49-F238E27FC236}">
-                <a16:creationId xmlns:a16="http://schemas.microsoft.com/office/drawing/2014/main" id="{35B85495-D789-4390-8A4C-42550476B980}"/>
-              </a:ext>
-            </a:extLst>
-          </p:cNvPr>
-          <p:cNvSpPr txBox="1"/>
-          <p:nvPr/>
-        </p:nvSpPr>
-        <p:spPr>
-          <a:xfrm>
-            <a:off x="6440722" y="5153149"/>
-            <a:ext cx="3823851" cy="338554"/>
-          </a:xfrm>
-          <a:prstGeom prst="rect">
-            <a:avLst/>
-          </a:prstGeom>
-          <a:noFill/>
-        </p:spPr>
-        <p:txBody>
-          <a:bodyPr wrap="square" rtlCol="0">
-            <a:spAutoFit/>
-          </a:bodyPr>
-          <a:lstStyle/>
-          <a:p>
-            <a:r>
-              <a:rPr lang="de-CH" sz="1600" dirty="0" err="1">
-                <a:latin typeface="Abadi Extra Light" panose="020B0604020202020204" pitchFamily="34" charset="0"/>
-              </a:rPr>
-              <a:t>Camunda</a:t>
-            </a:r>
-            <a:r>
-              <a:rPr lang="de-CH" sz="1600" dirty="0">
-                <a:latin typeface="Abadi Extra Light" panose="020B0604020202020204" pitchFamily="34" charset="0"/>
-              </a:rPr>
-              <a:t> BPMN </a:t>
-            </a:r>
-            <a:r>
-              <a:rPr lang="de-CH" sz="1600" dirty="0" err="1">
-                <a:latin typeface="Abadi Extra Light" panose="020B0604020202020204" pitchFamily="34" charset="0"/>
-              </a:rPr>
-              <a:t>process</a:t>
-            </a:r>
-            <a:r>
-              <a:rPr lang="de-CH" sz="1600" dirty="0">
-                <a:latin typeface="Abadi Extra Light" panose="020B0604020202020204" pitchFamily="34" charset="0"/>
-              </a:rPr>
-              <a:t> </a:t>
-            </a:r>
-            <a:r>
-              <a:rPr lang="de-CH" sz="1600" dirty="0" err="1">
-                <a:latin typeface="Abadi Extra Light" panose="020B0604020202020204" pitchFamily="34" charset="0"/>
-              </a:rPr>
-              <a:t>application</a:t>
-            </a:r>
-            <a:endParaRPr lang="de-CH" sz="1600" dirty="0">
-              <a:latin typeface="Abadi Extra Light" panose="020B0604020202020204" pitchFamily="34" charset="0"/>
-            </a:endParaRPr>
-          </a:p>
-        </p:txBody>
-      </p:sp>
-      <p:sp>
-        <p:nvSpPr>
-          <p:cNvPr id="25" name="Rechteck 24">
-            <a:extLst>
-              <a:ext uri="{FF2B5EF4-FFF2-40B4-BE49-F238E27FC236}">
-                <a16:creationId xmlns:a16="http://schemas.microsoft.com/office/drawing/2014/main" id="{810B848E-0496-4B87-9EFF-3E63EA82A216}"/>
-              </a:ext>
-            </a:extLst>
-          </p:cNvPr>
-          <p:cNvSpPr/>
-          <p:nvPr/>
-        </p:nvSpPr>
-        <p:spPr>
-          <a:xfrm>
-            <a:off x="1104403" y="4675221"/>
-            <a:ext cx="4646875" cy="288665"/>
-          </a:xfrm>
-          <a:prstGeom prst="rect">
-            <a:avLst/>
-          </a:prstGeom>
-          <a:solidFill>
-            <a:schemeClr val="accent1">
-              <a:lumMod val="20000"/>
-              <a:lumOff val="80000"/>
-            </a:schemeClr>
-          </a:solidFill>
-        </p:spPr>
-        <p:style>
-          <a:lnRef idx="2">
-            <a:schemeClr val="accent1">
-              <a:shade val="50000"/>
-            </a:schemeClr>
-          </a:lnRef>
-          <a:fillRef idx="1">
-            <a:schemeClr val="accent1"/>
-          </a:fillRef>
-          <a:effectRef idx="0">
-            <a:schemeClr val="accent1"/>
-          </a:effectRef>
-          <a:fontRef idx="minor">
-            <a:schemeClr val="lt1"/>
-          </a:fontRef>
-        </p:style>
-        <p:txBody>
-          <a:bodyPr rtlCol="0" anchor="ctr"/>
-          <a:lstStyle/>
-          <a:p>
-            <a:pPr algn="ctr"/>
-            <a:r>
-              <a:rPr lang="de-CH" sz="1200" b="1" dirty="0" err="1">
-                <a:solidFill>
-                  <a:schemeClr val="tx1"/>
-                </a:solidFill>
-                <a:latin typeface="Abadi Extra Light" panose="020B0204020104020204" pitchFamily="34" charset="0"/>
-              </a:rPr>
-              <a:t>Camunda</a:t>
-            </a:r>
-            <a:r>
-              <a:rPr lang="de-CH" sz="1200" b="1" dirty="0">
-                <a:solidFill>
-                  <a:schemeClr val="tx1"/>
-                </a:solidFill>
-                <a:latin typeface="Abadi Extra Light" panose="020B0204020104020204" pitchFamily="34" charset="0"/>
-              </a:rPr>
-              <a:t> REST Endpoints</a:t>
-            </a:r>
-          </a:p>
-        </p:txBody>
-      </p:sp>
     </p:spTree>
     <p:extLst>
       <p:ext uri="{BB962C8B-B14F-4D97-AF65-F5344CB8AC3E}">
